--- a/mhw1.pptx
+++ b/mhw1.pptx
@@ -9635,7 +9635,7 @@
         <p:spPr>
           <a:xfrm>
             <a:off x="4599818" y="2251495"/>
-            <a:ext cx="7592181" cy="2585323"/>
+            <a:ext cx="7592181" cy="2862322"/>
           </a:xfrm>
           <a:prstGeom prst="rect">
             <a:avLst/>
@@ -9650,13 +9650,37 @@
           <a:p>
             <a:r>
               <a:rPr lang="it-IT" dirty="0"/>
-              <a:t>Ho impostato la sezione con larghezza specificata alla riga 138.</a:t>
-            </a:r>
-          </a:p>
-          <a:p>
+              <a:t>Ho impostato la </a:t>
+            </a:r>
+            <a:r>
+              <a:rPr lang="it-IT" dirty="0" err="1"/>
+              <a:t>section</a:t>
+            </a:r>
             <a:r>
               <a:rPr lang="it-IT" dirty="0"/>
-              <a:t>Il testo è impostato per occupare il 66.67% della pagina cui sottraggo 80px dati dallo spessore tra il nome dell’artista e il numero corrispondente (40px) + lo spessore del numero stesso 40px.</a:t>
+              <a:t> con larghezza specificata alla riga 138, ovvero 66.67% + 80px per contenere anche il numero e lo spessore del suo margine.</a:t>
+            </a:r>
+          </a:p>
+          <a:p>
+            <a:r>
+              <a:rPr lang="it-IT" dirty="0"/>
+              <a:t>La larghezza dell’</a:t>
+            </a:r>
+            <a:r>
+              <a:rPr lang="it-IT" dirty="0" err="1"/>
+              <a:t>article</a:t>
+            </a:r>
+            <a:r>
+              <a:rPr lang="it-IT" dirty="0"/>
+              <a:t>, dato che deve occupare il 66.67% della pagina, viene calcolata sottraendo 80px alla </a:t>
+            </a:r>
+            <a:r>
+              <a:rPr lang="it-IT" dirty="0" err="1"/>
+              <a:t>section</a:t>
+            </a:r>
+            <a:r>
+              <a:rPr lang="it-IT" dirty="0"/>
+              <a:t>.</a:t>
             </a:r>
           </a:p>
           <a:p>
